--- a/DSM/Bolger_DSM_Report_from_the_Trenches_170613.pptx
+++ b/DSM/Bolger_DSM_Report_from_the_Trenches_170613.pptx
@@ -4980,7 +4980,7 @@
         <p:nvGraphicFramePr>
           <p:cNvPr id="11267" name="Object 3"/>
           <p:cNvGraphicFramePr>
-            <a:graphicFrameLocks noChangeAspect="1"/>
+            <a:graphicFrameLocks noGrp="1" noChangeAspect="1"/>
           </p:cNvGraphicFramePr>
           <p:nvPr>
             <p:ph idx="1"/>
@@ -4994,7 +4994,7 @@
           <a:graphicData uri="http://schemas.openxmlformats.org/presentationml/2006/ole">
             <mc:AlternateContent xmlns:mc="http://schemas.openxmlformats.org/markup-compatibility/2006">
               <mc:Choice xmlns:v="urn:schemas-microsoft-com:vml" Requires="v">
-                <p:oleObj spid="_x0000_s4100" name="Chart" r:id="rId3" imgW="8220150" imgH="4533990" progId="MSGraph.Chart.8">
+                <p:oleObj spid="_x0000_s4102" name="Chart" r:id="rId3" imgW="8220150" imgH="4533990" progId="MSGraph.Chart.8">
                   <p:embed followColorScheme="full"/>
                 </p:oleObj>
               </mc:Choice>
@@ -5730,7 +5730,7 @@
         <p:nvGraphicFramePr>
           <p:cNvPr id="12292" name="Object 4"/>
           <p:cNvGraphicFramePr>
-            <a:graphicFrameLocks noChangeAspect="1"/>
+            <a:graphicFrameLocks noGrp="1" noChangeAspect="1"/>
           </p:cNvGraphicFramePr>
           <p:nvPr>
             <p:ph idx="4294967295"/>
@@ -5744,7 +5744,7 @@
           <a:graphicData uri="http://schemas.openxmlformats.org/presentationml/2006/ole">
             <mc:AlternateContent xmlns:mc="http://schemas.openxmlformats.org/markup-compatibility/2006">
               <mc:Choice xmlns:v="urn:schemas-microsoft-com:vml" Requires="v">
-                <p:oleObj spid="_x0000_s5124" name="Equation" r:id="rId3" imgW="1790700" imgH="406400" progId="Equation.3">
+                <p:oleObj spid="_x0000_s5126" name="Equation" r:id="rId3" imgW="1790700" imgH="406400" progId="Equation.3">
                   <p:embed/>
                 </p:oleObj>
               </mc:Choice>
@@ -6136,7 +6136,7 @@
               <a:graphicData uri="http://schemas.openxmlformats.org/presentationml/2006/ole">
                 <mc:AlternateContent xmlns:mc="http://schemas.openxmlformats.org/markup-compatibility/2006">
                   <mc:Choice xmlns:v="urn:schemas-microsoft-com:vml" Requires="v">
-                    <p:oleObj spid="_x0000_s6148" name="Chart" r:id="rId3" imgW="8220150" imgH="4533990" progId="MSGraph.Chart.8">
+                    <p:oleObj spid="_x0000_s6150" name="Chart" r:id="rId3" imgW="8220150" imgH="4533990" progId="MSGraph.Chart.8">
                       <p:embed followColorScheme="full"/>
                     </p:oleObj>
                   </mc:Choice>
@@ -9461,7 +9461,7 @@
           <p:nvPr>
             <p:extLst>
               <p:ext uri="{D42A27DB-BD31-4B8C-83A1-F6EECF244321}">
-                <p14:modId xmlns:p14="http://schemas.microsoft.com/office/powerpoint/2010/main" val="2242141530"/>
+                <p14:modId xmlns:p14="http://schemas.microsoft.com/office/powerpoint/2010/main" val="4066696298"/>
               </p:ext>
             </p:extLst>
           </p:nvPr>
@@ -10033,7 +10033,7 @@
                           <a:latin typeface="Helvetica"/>
                           <a:cs typeface="Helvetica"/>
                         </a:rPr>
-                        <a:t>.08</a:t>
+                        <a:t>0.0</a:t>
                       </a:r>
                       <a:r>
                         <a:rPr lang="en-US" b="0" baseline="0" dirty="0" smtClean="0">
@@ -10043,7 +10043,17 @@
                           <a:latin typeface="Helvetica"/>
                           <a:cs typeface="Helvetica"/>
                         </a:rPr>
-                        <a:t> (.23)</a:t>
+                        <a:t> </a:t>
+                      </a:r>
+                      <a:r>
+                        <a:rPr lang="en-US" b="0" baseline="0" dirty="0" smtClean="0">
+                          <a:solidFill>
+                            <a:srgbClr val="7F7F7F"/>
+                          </a:solidFill>
+                          <a:latin typeface="Helvetica"/>
+                          <a:cs typeface="Helvetica"/>
+                        </a:rPr>
+                        <a:t>(.23)</a:t>
                       </a:r>
                       <a:endParaRPr lang="en-US" b="0" dirty="0">
                         <a:solidFill>
@@ -15840,7 +15850,7 @@
         <p:nvGraphicFramePr>
           <p:cNvPr id="9219" name="Object 3"/>
           <p:cNvGraphicFramePr>
-            <a:graphicFrameLocks noChangeAspect="1"/>
+            <a:graphicFrameLocks noGrp="1" noChangeAspect="1"/>
           </p:cNvGraphicFramePr>
           <p:nvPr>
             <p:ph idx="1"/>
@@ -15854,7 +15864,7 @@
           <a:graphicData uri="http://schemas.openxmlformats.org/presentationml/2006/ole">
             <mc:AlternateContent xmlns:mc="http://schemas.openxmlformats.org/markup-compatibility/2006">
               <mc:Choice xmlns:v="urn:schemas-microsoft-com:vml" Requires="v">
-                <p:oleObj spid="_x0000_s2052" name="Chart" r:id="rId3" imgW="8220150" imgH="4533990" progId="MSGraph.Chart.8">
+                <p:oleObj spid="_x0000_s2054" name="Chart" r:id="rId3" imgW="8220150" imgH="4533990" progId="MSGraph.Chart.8">
                   <p:embed followColorScheme="full"/>
                 </p:oleObj>
               </mc:Choice>
@@ -16436,7 +16446,7 @@
         <p:nvGraphicFramePr>
           <p:cNvPr id="10243" name="Object 3"/>
           <p:cNvGraphicFramePr>
-            <a:graphicFrameLocks noChangeAspect="1"/>
+            <a:graphicFrameLocks noGrp="1" noChangeAspect="1"/>
           </p:cNvGraphicFramePr>
           <p:nvPr>
             <p:ph idx="1"/>
@@ -16450,7 +16460,7 @@
           <a:graphicData uri="http://schemas.openxmlformats.org/presentationml/2006/ole">
             <mc:AlternateContent xmlns:mc="http://schemas.openxmlformats.org/markup-compatibility/2006">
               <mc:Choice xmlns:v="urn:schemas-microsoft-com:vml" Requires="v">
-                <p:oleObj spid="_x0000_s3076" name="Chart" r:id="rId3" imgW="8220150" imgH="4533990" progId="MSGraph.Chart.8">
+                <p:oleObj spid="_x0000_s3078" name="Chart" r:id="rId3" imgW="8220150" imgH="4533990" progId="MSGraph.Chart.8">
                   <p:embed followColorScheme="full"/>
                 </p:oleObj>
               </mc:Choice>
